--- a/PPT/3일차/3일 위치기록.pptx
+++ b/PPT/3일차/3일 위치기록.pptx
@@ -5,19 +5,20 @@
     <p:sldMasterId id="2147483648" r:id="rId1"/>
   </p:sldMasterIdLst>
   <p:notesMasterIdLst>
-    <p:notesMasterId r:id="rId12"/>
+    <p:notesMasterId r:id="rId13"/>
   </p:notesMasterIdLst>
   <p:sldIdLst>
     <p:sldId id="259" r:id="rId2"/>
     <p:sldId id="455" r:id="rId3"/>
     <p:sldId id="443" r:id="rId4"/>
-    <p:sldId id="474" r:id="rId5"/>
-    <p:sldId id="466" r:id="rId6"/>
-    <p:sldId id="470" r:id="rId7"/>
-    <p:sldId id="471" r:id="rId8"/>
-    <p:sldId id="472" r:id="rId9"/>
-    <p:sldId id="473" r:id="rId10"/>
-    <p:sldId id="469" r:id="rId11"/>
+    <p:sldId id="475" r:id="rId5"/>
+    <p:sldId id="474" r:id="rId6"/>
+    <p:sldId id="466" r:id="rId7"/>
+    <p:sldId id="470" r:id="rId8"/>
+    <p:sldId id="471" r:id="rId9"/>
+    <p:sldId id="472" r:id="rId10"/>
+    <p:sldId id="473" r:id="rId11"/>
+    <p:sldId id="469" r:id="rId12"/>
   </p:sldIdLst>
   <p:sldSz cx="12192000" cy="6858000"/>
   <p:notesSz cx="6858000" cy="9144000"/>
@@ -657,7 +658,7 @@
           <a:p>
             <a:fld id="{1D357D89-BD75-4D72-9D13-1EC8002A5592}" type="slidenum">
               <a:rPr lang="ko-KR" altLang="en-US" smtClean="0"/>
-              <a:t>4</a:t>
+              <a:t>5</a:t>
             </a:fld>
             <a:endParaRPr lang="ko-KR" altLang="en-US"/>
           </a:p>
@@ -3722,6 +3723,66 @@
 </file>
 
 <file path=ppt/slides/slide10.xml><?xml version="1.0" encoding="utf-8"?>
+<p:sld xmlns:a="http://schemas.openxmlformats.org/drawingml/2006/main" xmlns:r="http://schemas.openxmlformats.org/officeDocument/2006/relationships" xmlns:p="http://schemas.openxmlformats.org/presentationml/2006/main">
+  <p:cSld>
+    <p:spTree>
+      <p:nvGrpSpPr>
+        <p:cNvPr id="1" name=""/>
+        <p:cNvGrpSpPr/>
+        <p:nvPr/>
+      </p:nvGrpSpPr>
+      <p:grpSpPr>
+        <a:xfrm>
+          <a:off x="0" y="0"/>
+          <a:ext cx="0" cy="0"/>
+          <a:chOff x="0" y="0"/>
+          <a:chExt cx="0" cy="0"/>
+        </a:xfrm>
+      </p:grpSpPr>
+      <p:pic>
+        <p:nvPicPr>
+          <p:cNvPr id="4" name="그림 3">
+            <a:extLst>
+              <a:ext uri="{FF2B5EF4-FFF2-40B4-BE49-F238E27FC236}">
+                <a16:creationId xmlns:a16="http://schemas.microsoft.com/office/drawing/2014/main" id="{BAD324AA-C577-4847-A48A-CF14064E85CC}"/>
+              </a:ext>
+            </a:extLst>
+          </p:cNvPr>
+          <p:cNvPicPr>
+            <a:picLocks noChangeAspect="1"/>
+          </p:cNvPicPr>
+          <p:nvPr/>
+        </p:nvPicPr>
+        <p:blipFill>
+          <a:blip r:embed="rId2"/>
+          <a:stretch>
+            <a:fillRect/>
+          </a:stretch>
+        </p:blipFill>
+        <p:spPr>
+          <a:xfrm>
+            <a:off x="442912" y="9525"/>
+            <a:ext cx="11306175" cy="6838950"/>
+          </a:xfrm>
+          <a:prstGeom prst="rect">
+            <a:avLst/>
+          </a:prstGeom>
+        </p:spPr>
+      </p:pic>
+    </p:spTree>
+    <p:extLst>
+      <p:ext uri="{BB962C8B-B14F-4D97-AF65-F5344CB8AC3E}">
+        <p14:creationId xmlns:p14="http://schemas.microsoft.com/office/powerpoint/2010/main" val="40021205"/>
+      </p:ext>
+    </p:extLst>
+  </p:cSld>
+  <p:clrMapOvr>
+    <a:masterClrMapping/>
+  </p:clrMapOvr>
+</p:sld>
+</file>
+
+<file path=ppt/slides/slide11.xml><?xml version="1.0" encoding="utf-8"?>
 <p:sld xmlns:a="http://schemas.openxmlformats.org/drawingml/2006/main" xmlns:r="http://schemas.openxmlformats.org/officeDocument/2006/relationships" xmlns:p="http://schemas.openxmlformats.org/presentationml/2006/main">
   <p:cSld>
     <p:spTree>
@@ -4650,6 +4711,66 @@
           <p:cNvPr id="4" name="그림 3">
             <a:extLst>
               <a:ext uri="{FF2B5EF4-FFF2-40B4-BE49-F238E27FC236}">
+                <a16:creationId xmlns:a16="http://schemas.microsoft.com/office/drawing/2014/main" id="{EE0FBF8C-BBA7-4844-A534-0688CADAC4BE}"/>
+              </a:ext>
+            </a:extLst>
+          </p:cNvPr>
+          <p:cNvPicPr>
+            <a:picLocks noChangeAspect="1"/>
+          </p:cNvPicPr>
+          <p:nvPr/>
+        </p:nvPicPr>
+        <p:blipFill>
+          <a:blip r:embed="rId2"/>
+          <a:stretch>
+            <a:fillRect/>
+          </a:stretch>
+        </p:blipFill>
+        <p:spPr>
+          <a:xfrm>
+            <a:off x="3795748" y="-65819"/>
+            <a:ext cx="4600504" cy="6989637"/>
+          </a:xfrm>
+          <a:prstGeom prst="rect">
+            <a:avLst/>
+          </a:prstGeom>
+        </p:spPr>
+      </p:pic>
+    </p:spTree>
+    <p:extLst>
+      <p:ext uri="{BB962C8B-B14F-4D97-AF65-F5344CB8AC3E}">
+        <p14:creationId xmlns:p14="http://schemas.microsoft.com/office/powerpoint/2010/main" val="2943561090"/>
+      </p:ext>
+    </p:extLst>
+  </p:cSld>
+  <p:clrMapOvr>
+    <a:masterClrMapping/>
+  </p:clrMapOvr>
+</p:sld>
+</file>
+
+<file path=ppt/slides/slide5.xml><?xml version="1.0" encoding="utf-8"?>
+<p:sld xmlns:a="http://schemas.openxmlformats.org/drawingml/2006/main" xmlns:r="http://schemas.openxmlformats.org/officeDocument/2006/relationships" xmlns:p="http://schemas.openxmlformats.org/presentationml/2006/main">
+  <p:cSld>
+    <p:spTree>
+      <p:nvGrpSpPr>
+        <p:cNvPr id="1" name=""/>
+        <p:cNvGrpSpPr/>
+        <p:nvPr/>
+      </p:nvGrpSpPr>
+      <p:grpSpPr>
+        <a:xfrm>
+          <a:off x="0" y="0"/>
+          <a:ext cx="0" cy="0"/>
+          <a:chOff x="0" y="0"/>
+          <a:chExt cx="0" cy="0"/>
+        </a:xfrm>
+      </p:grpSpPr>
+      <p:pic>
+        <p:nvPicPr>
+          <p:cNvPr id="4" name="그림 3">
+            <a:extLst>
+              <a:ext uri="{FF2B5EF4-FFF2-40B4-BE49-F238E27FC236}">
                 <a16:creationId xmlns:a16="http://schemas.microsoft.com/office/drawing/2014/main" id="{0F22E078-1544-46C0-8380-C02CD2FD98E7}"/>
               </a:ext>
             </a:extLst>
@@ -4796,7 +4917,7 @@
 </p:sld>
 </file>
 
-<file path=ppt/slides/slide5.xml><?xml version="1.0" encoding="utf-8"?>
+<file path=ppt/slides/slide6.xml><?xml version="1.0" encoding="utf-8"?>
 <p:sld xmlns:a="http://schemas.openxmlformats.org/drawingml/2006/main" xmlns:r="http://schemas.openxmlformats.org/officeDocument/2006/relationships" xmlns:p="http://schemas.openxmlformats.org/presentationml/2006/main">
   <p:cSld>
     <p:spTree>
@@ -4856,7 +4977,7 @@
 </p:sld>
 </file>
 
-<file path=ppt/slides/slide6.xml><?xml version="1.0" encoding="utf-8"?>
+<file path=ppt/slides/slide7.xml><?xml version="1.0" encoding="utf-8"?>
 <p:sld xmlns:a="http://schemas.openxmlformats.org/drawingml/2006/main" xmlns:r="http://schemas.openxmlformats.org/officeDocument/2006/relationships" xmlns:p="http://schemas.openxmlformats.org/presentationml/2006/main">
   <p:cSld>
     <p:spTree>
@@ -4966,7 +5087,7 @@
 </p:sld>
 </file>
 
-<file path=ppt/slides/slide7.xml><?xml version="1.0" encoding="utf-8"?>
+<file path=ppt/slides/slide8.xml><?xml version="1.0" encoding="utf-8"?>
 <p:sld xmlns:a="http://schemas.openxmlformats.org/drawingml/2006/main" xmlns:r="http://schemas.openxmlformats.org/officeDocument/2006/relationships" xmlns:p="http://schemas.openxmlformats.org/presentationml/2006/main">
   <p:cSld>
     <p:spTree>
@@ -5076,7 +5197,7 @@
 </p:sld>
 </file>
 
-<file path=ppt/slides/slide8.xml><?xml version="1.0" encoding="utf-8"?>
+<file path=ppt/slides/slide9.xml><?xml version="1.0" encoding="utf-8"?>
 <p:sld xmlns:a="http://schemas.openxmlformats.org/drawingml/2006/main" xmlns:r="http://schemas.openxmlformats.org/officeDocument/2006/relationships" xmlns:p="http://schemas.openxmlformats.org/presentationml/2006/main">
   <p:cSld>
     <p:spTree>
@@ -5177,66 +5298,6 @@
     <p:extLst>
       <p:ext uri="{BB962C8B-B14F-4D97-AF65-F5344CB8AC3E}">
         <p14:creationId xmlns:p14="http://schemas.microsoft.com/office/powerpoint/2010/main" val="4001953518"/>
-      </p:ext>
-    </p:extLst>
-  </p:cSld>
-  <p:clrMapOvr>
-    <a:masterClrMapping/>
-  </p:clrMapOvr>
-</p:sld>
-</file>
-
-<file path=ppt/slides/slide9.xml><?xml version="1.0" encoding="utf-8"?>
-<p:sld xmlns:a="http://schemas.openxmlformats.org/drawingml/2006/main" xmlns:r="http://schemas.openxmlformats.org/officeDocument/2006/relationships" xmlns:p="http://schemas.openxmlformats.org/presentationml/2006/main">
-  <p:cSld>
-    <p:spTree>
-      <p:nvGrpSpPr>
-        <p:cNvPr id="1" name=""/>
-        <p:cNvGrpSpPr/>
-        <p:nvPr/>
-      </p:nvGrpSpPr>
-      <p:grpSpPr>
-        <a:xfrm>
-          <a:off x="0" y="0"/>
-          <a:ext cx="0" cy="0"/>
-          <a:chOff x="0" y="0"/>
-          <a:chExt cx="0" cy="0"/>
-        </a:xfrm>
-      </p:grpSpPr>
-      <p:pic>
-        <p:nvPicPr>
-          <p:cNvPr id="4" name="그림 3">
-            <a:extLst>
-              <a:ext uri="{FF2B5EF4-FFF2-40B4-BE49-F238E27FC236}">
-                <a16:creationId xmlns:a16="http://schemas.microsoft.com/office/drawing/2014/main" id="{BAD324AA-C577-4847-A48A-CF14064E85CC}"/>
-              </a:ext>
-            </a:extLst>
-          </p:cNvPr>
-          <p:cNvPicPr>
-            <a:picLocks noChangeAspect="1"/>
-          </p:cNvPicPr>
-          <p:nvPr/>
-        </p:nvPicPr>
-        <p:blipFill>
-          <a:blip r:embed="rId2"/>
-          <a:stretch>
-            <a:fillRect/>
-          </a:stretch>
-        </p:blipFill>
-        <p:spPr>
-          <a:xfrm>
-            <a:off x="442912" y="9525"/>
-            <a:ext cx="11306175" cy="6838950"/>
-          </a:xfrm>
-          <a:prstGeom prst="rect">
-            <a:avLst/>
-          </a:prstGeom>
-        </p:spPr>
-      </p:pic>
-    </p:spTree>
-    <p:extLst>
-      <p:ext uri="{BB962C8B-B14F-4D97-AF65-F5344CB8AC3E}">
-        <p14:creationId xmlns:p14="http://schemas.microsoft.com/office/powerpoint/2010/main" val="40021205"/>
       </p:ext>
     </p:extLst>
   </p:cSld>
